--- a/02/01 接口测试用例设计方法.pptx
+++ b/02/01 接口测试用例设计方法.pptx
@@ -3374,6 +3374,19 @@
               <a:rPr lang="en-US" altLang="zh-CN" dirty="0" smtClean="0"/>
               <a:t>header</a:t>
             </a:r>
+            <a:r>
+              <a:rPr lang="zh-CN" altLang="en-US" dirty="0" smtClean="0"/>
+              <a:t>（</a:t>
+            </a:r>
+            <a:r>
+              <a:rPr lang="en-US" altLang="zh-CN"/>
+              <a:t>Content-Type</a:t>
+            </a:r>
+            <a:r>
+              <a:rPr lang="zh-CN" altLang="en-US" smtClean="0"/>
+              <a:t>）</a:t>
+            </a:r>
+            <a:endParaRPr lang="en-US" altLang="zh-CN" dirty="0" smtClean="0"/>
           </a:p>
           <a:p>
             <a:pPr marL="285750" indent="-285750">
@@ -3432,6 +3445,13 @@
   <p:clrMapOvr>
     <a:masterClrMapping/>
   </p:clrMapOvr>
+  <p:timing>
+    <p:tnLst>
+      <p:par>
+        <p:cTn id="1" dur="indefinite" restart="never" nodeType="tmRoot"/>
+      </p:par>
+    </p:tnLst>
+  </p:timing>
 </p:sld>
 </file>
 
@@ -22558,6 +22578,13 @@
   <p:clrMapOvr>
     <a:masterClrMapping/>
   </p:clrMapOvr>
+  <p:timing>
+    <p:tnLst>
+      <p:par>
+        <p:cTn id="1" dur="indefinite" restart="never" nodeType="tmRoot"/>
+      </p:par>
+    </p:tnLst>
+  </p:timing>
 </p:sld>
 </file>
 
@@ -26733,6 +26760,13 @@
   <p:clrMapOvr>
     <a:masterClrMapping/>
   </p:clrMapOvr>
+  <p:timing>
+    <p:tnLst>
+      <p:par>
+        <p:cTn id="1" dur="indefinite" restart="never" nodeType="tmRoot"/>
+      </p:par>
+    </p:tnLst>
+  </p:timing>
 </p:sld>
 </file>
 
@@ -26837,6 +26871,13 @@
   <p:clrMapOvr>
     <a:masterClrMapping/>
   </p:clrMapOvr>
+  <p:timing>
+    <p:tnLst>
+      <p:par>
+        <p:cTn id="1" dur="indefinite" restart="never" nodeType="tmRoot"/>
+      </p:par>
+    </p:tnLst>
+  </p:timing>
 </p:sld>
 </file>
 
@@ -26938,6 +26979,13 @@
   <p:clrMapOvr>
     <a:masterClrMapping/>
   </p:clrMapOvr>
+  <p:timing>
+    <p:tnLst>
+      <p:par>
+        <p:cTn id="1" dur="indefinite" restart="never" nodeType="tmRoot"/>
+      </p:par>
+    </p:tnLst>
+  </p:timing>
 </p:sld>
 </file>
 
@@ -27129,6 +27177,13 @@
   <p:clrMapOvr>
     <a:masterClrMapping/>
   </p:clrMapOvr>
+  <p:timing>
+    <p:tnLst>
+      <p:par>
+        <p:cTn id="1" dur="indefinite" restart="never" nodeType="tmRoot"/>
+      </p:par>
+    </p:tnLst>
+  </p:timing>
 </p:sld>
 </file>
 
@@ -27521,6 +27576,13 @@
   <p:clrMapOvr>
     <a:masterClrMapping/>
   </p:clrMapOvr>
+  <p:timing>
+    <p:tnLst>
+      <p:par>
+        <p:cTn id="1" dur="indefinite" restart="never" nodeType="tmRoot"/>
+      </p:par>
+    </p:tnLst>
+  </p:timing>
 </p:sld>
 </file>
 
@@ -27913,6 +27975,13 @@
   <p:clrMapOvr>
     <a:masterClrMapping/>
   </p:clrMapOvr>
+  <p:timing>
+    <p:tnLst>
+      <p:par>
+        <p:cTn id="1" dur="indefinite" restart="never" nodeType="tmRoot"/>
+      </p:par>
+    </p:tnLst>
+  </p:timing>
 </p:sld>
 </file>
 

--- a/02/01 接口测试用例设计方法.pptx
+++ b/02/01 接口测试用例设计方法.pptx
@@ -3379,11 +3379,11 @@
               <a:t>（</a:t>
             </a:r>
             <a:r>
-              <a:rPr lang="en-US" altLang="zh-CN"/>
+              <a:rPr lang="en-US" altLang="zh-CN" dirty="0"/>
               <a:t>Content-Type</a:t>
             </a:r>
             <a:r>
-              <a:rPr lang="zh-CN" altLang="en-US" smtClean="0"/>
+              <a:rPr lang="zh-CN" altLang="en-US" dirty="0" smtClean="0"/>
               <a:t>）</a:t>
             </a:r>
             <a:endParaRPr lang="en-US" altLang="zh-CN" dirty="0" smtClean="0"/>
@@ -27993,7 +27993,7 @@
         <a:sysClr val="windowText" lastClr="000000"/>
       </a:dk1>
       <a:lt1>
-        <a:sysClr val="window" lastClr="CCE8CF"/>
+        <a:sysClr val="window" lastClr="FFFFFF"/>
       </a:lt1>
       <a:dk2>
         <a:srgbClr val="1F497D"/>
@@ -28276,7 +28276,7 @@
         <a:sysClr val="windowText" lastClr="000000"/>
       </a:dk1>
       <a:lt1>
-        <a:sysClr val="window" lastClr="CCE8CF"/>
+        <a:sysClr val="window" lastClr="FFFFFF"/>
       </a:lt1>
       <a:dk2>
         <a:srgbClr val="1F497D"/>
